--- a/documentation/nubia.pptx
+++ b/documentation/nubia.pptx
@@ -5028,7 +5028,7 @@
         </p:nvSpPr>
         <p:spPr bwMode="auto">
           <a:xfrm flipH="0" flipV="0">
-            <a:off x="7200562" y="1924049"/>
+            <a:off x="7200562" y="4724397"/>
             <a:ext cx="1800000" cy="1219199"/>
           </a:xfrm>
           <a:prstGeom prst="rect">
@@ -5073,7 +5073,7 @@
         </p:nvSpPr>
         <p:spPr bwMode="auto">
           <a:xfrm flipH="0" flipV="0">
-            <a:off x="7200562" y="5410199"/>
+            <a:off x="7200562" y="1904988"/>
             <a:ext cx="1800000" cy="1219199"/>
           </a:xfrm>
           <a:prstGeom prst="rect">
@@ -5114,15 +5114,15 @@
         <p:nvCxnSpPr>
           <p:cNvPr id="0" name=""/>
           <p:cNvCxnSpPr>
-            <a:stCxn id="356791605" idx="2"/>
-            <a:endCxn id="1371784035" idx="0"/>
+            <a:stCxn id="356791605" idx="0"/>
+            <a:endCxn id="1371784035" idx="2"/>
           </p:cNvCxnSpPr>
           <p:nvPr/>
         </p:nvCxnSpPr>
         <p:spPr bwMode="auto">
-          <a:xfrm rot="5399978" flipH="0" flipV="0">
-            <a:off x="6967087" y="4276724"/>
-            <a:ext cx="2266949" cy="0"/>
+          <a:xfrm rot="16199969" flipH="0" flipV="0">
+            <a:off x="7300457" y="3924293"/>
+            <a:ext cx="1600209" cy="0"/>
           </a:xfrm>
           <a:prstGeom prst="line">
             <a:avLst/>

--- a/documentation/nubia.pptx
+++ b/documentation/nubia.pptx
@@ -1507,7 +1507,7 @@
         <p:spPr bwMode="auto">
           <a:xfrm>
             <a:off x="614062" y="12045834"/>
-            <a:ext cx="7762500" cy="3937498"/>
+            <a:ext cx="7762500" cy="3937497"/>
           </a:xfrm>
         </p:spPr>
         <p:txBody>
@@ -1994,7 +1994,7 @@
         </p:nvSpPr>
         <p:spPr bwMode="auto">
           <a:xfrm>
-            <a:off x="619922" y="958333"/>
+            <a:off x="619921" y="958333"/>
             <a:ext cx="7762500" cy="3479167"/>
           </a:xfrm>
         </p:spPr>
@@ -2025,7 +2025,7 @@
         </p:nvSpPr>
         <p:spPr bwMode="auto">
           <a:xfrm>
-            <a:off x="619922" y="4412501"/>
+            <a:off x="619921" y="4412501"/>
             <a:ext cx="3807421" cy="2162498"/>
           </a:xfrm>
         </p:spPr>
@@ -2093,7 +2093,7 @@
         </p:nvSpPr>
         <p:spPr bwMode="auto">
           <a:xfrm>
-            <a:off x="619922" y="6574997"/>
+            <a:off x="619921" y="6574997"/>
             <a:ext cx="3807421" cy="9670834"/>
           </a:xfrm>
         </p:spPr>
@@ -2626,7 +2626,7 @@
         </p:nvSpPr>
         <p:spPr bwMode="auto">
           <a:xfrm>
-            <a:off x="619922" y="1200000"/>
+            <a:off x="619921" y="1200000"/>
             <a:ext cx="2902734" cy="4200000"/>
           </a:xfrm>
         </p:spPr>
@@ -2760,7 +2760,7 @@
         </p:nvSpPr>
         <p:spPr bwMode="auto">
           <a:xfrm>
-            <a:off x="619922" y="5400000"/>
+            <a:off x="619921" y="5400000"/>
             <a:ext cx="2902734" cy="10004167"/>
           </a:xfrm>
         </p:spPr>
@@ -2927,7 +2927,7 @@
         </p:nvSpPr>
         <p:spPr bwMode="auto">
           <a:xfrm>
-            <a:off x="619922" y="1200000"/>
+            <a:off x="619921" y="1200000"/>
             <a:ext cx="2902734" cy="4200000"/>
           </a:xfrm>
         </p:spPr>
@@ -3030,7 +3030,7 @@
         </p:nvSpPr>
         <p:spPr bwMode="auto">
           <a:xfrm>
-            <a:off x="619922" y="5400000"/>
+            <a:off x="619921" y="5400000"/>
             <a:ext cx="2902734" cy="10004167"/>
           </a:xfrm>
         </p:spPr>
@@ -3911,8 +3911,8 @@
         </p:nvSpPr>
         <p:spPr bwMode="auto">
           <a:xfrm flipH="0" flipV="0">
-            <a:off x="2071016" y="333330"/>
-            <a:ext cx="3961721" cy="1200944"/>
+            <a:off x="2071015" y="333330"/>
+            <a:ext cx="3961721" cy="1200943"/>
           </a:xfrm>
           <a:prstGeom prst="rect">
             <a:avLst/>
@@ -4134,7 +4134,7 @@
         <p:spPr bwMode="auto">
           <a:xfrm flipH="0" flipV="0">
             <a:off x="5609747" y="3935413"/>
-            <a:ext cx="1746379" cy="4241666"/>
+            <a:ext cx="1746378" cy="4241666"/>
           </a:xfrm>
           <a:prstGeom prst="rect">
             <a:avLst/>
@@ -4277,7 +4277,7 @@
         <p:spPr bwMode="auto">
           <a:xfrm flipH="0" flipV="1">
             <a:off x="5556126" y="9468746"/>
-            <a:ext cx="632812" cy="4431253"/>
+            <a:ext cx="632811" cy="4431253"/>
           </a:xfrm>
           <a:prstGeom prst="line">
             <a:avLst/>
@@ -4441,7 +4441,7 @@
         </p:nvSpPr>
         <p:spPr bwMode="auto">
           <a:xfrm flipH="0" flipV="0">
-            <a:off x="3600562" y="3524249"/>
+            <a:off x="5400558" y="3533774"/>
             <a:ext cx="1800000" cy="1219199"/>
           </a:xfrm>
           <a:prstGeom prst="rect">
@@ -4711,7 +4711,7 @@
         </p:nvSpPr>
         <p:spPr bwMode="auto">
           <a:xfrm flipH="0" flipV="0">
-            <a:off x="5400562" y="3524249"/>
+            <a:off x="3603805" y="3524248"/>
             <a:ext cx="1800000" cy="1219199"/>
           </a:xfrm>
           <a:prstGeom prst="rect">
@@ -4756,7 +4756,7 @@
         </p:nvSpPr>
         <p:spPr bwMode="auto">
           <a:xfrm flipH="0" flipV="0">
-            <a:off x="3600562" y="5410199"/>
+            <a:off x="5400558" y="5419724"/>
             <a:ext cx="1800000" cy="1219199"/>
           </a:xfrm>
           <a:prstGeom prst="rect">
@@ -4801,7 +4801,7 @@
         </p:nvSpPr>
         <p:spPr bwMode="auto">
           <a:xfrm flipH="0" flipV="0">
-            <a:off x="3600562" y="7277099"/>
+            <a:off x="3594078" y="5419724"/>
             <a:ext cx="1800000" cy="1219199"/>
           </a:xfrm>
           <a:prstGeom prst="rect">
@@ -4846,7 +4846,7 @@
         </p:nvSpPr>
         <p:spPr bwMode="auto">
           <a:xfrm flipH="0" flipV="0">
-            <a:off x="562" y="4743450"/>
+            <a:off x="561" y="3524248"/>
             <a:ext cx="1800000" cy="1219199"/>
           </a:xfrm>
           <a:prstGeom prst="rect">
@@ -4892,7 +4892,7 @@
           <p:nvPr/>
         </p:nvCxnSpPr>
         <p:spPr bwMode="auto">
-          <a:xfrm rot="10799990" flipH="0" flipV="1">
+          <a:xfrm rot="10799989" flipH="0" flipV="1">
             <a:off x="687749" y="2533649"/>
             <a:ext cx="1112812" cy="2190749"/>
           </a:xfrm>
@@ -4928,8 +4928,8 @@
         </p:nvCxnSpPr>
         <p:spPr bwMode="auto">
           <a:xfrm rot="5399978" flipH="0" flipV="0">
-            <a:off x="4167187" y="5076824"/>
-            <a:ext cx="666749" cy="0"/>
+            <a:off x="5967182" y="5086348"/>
+            <a:ext cx="666750" cy="0"/>
           </a:xfrm>
           <a:prstGeom prst="line">
             <a:avLst/>
@@ -4961,9 +4961,9 @@
           <p:nvPr/>
         </p:nvCxnSpPr>
         <p:spPr bwMode="auto">
-          <a:xfrm rot="5399978" flipH="0" flipV="1">
-            <a:off x="2279831" y="5056368"/>
-            <a:ext cx="2647949" cy="1793512"/>
+          <a:xfrm rot="5399943" flipH="0" flipV="1">
+            <a:off x="2273347" y="3198993"/>
+            <a:ext cx="2647948" cy="1793511"/>
           </a:xfrm>
           <a:prstGeom prst="line">
             <a:avLst/>
@@ -4991,13 +4991,14 @@
           <p:cNvPr id="0" name=""/>
           <p:cNvCxnSpPr>
             <a:stCxn id="441460547" idx="2"/>
+            <a:endCxn id="243166541" idx="0"/>
           </p:cNvCxnSpPr>
           <p:nvPr/>
         </p:nvCxnSpPr>
         <p:spPr bwMode="auto">
           <a:xfrm rot="5399978" flipH="0" flipV="0">
-            <a:off x="4160905" y="5175543"/>
-            <a:ext cx="2571749" cy="1707562"/>
+            <a:off x="4160803" y="5081586"/>
+            <a:ext cx="676276" cy="0"/>
           </a:xfrm>
           <a:prstGeom prst="line">
             <a:avLst/>
@@ -5145,6 +5146,231 @@
           </a:fontRef>
         </p:style>
       </p:cxnSp>
+      <p:sp>
+        <p:nvSpPr>
+          <p:cNvPr id="1141834657" name=""/>
+          <p:cNvSpPr/>
+          <p:nvPr/>
+        </p:nvSpPr>
+        <p:spPr bwMode="auto">
+          <a:xfrm flipH="0" flipV="0">
+            <a:off x="1794078" y="9143997"/>
+            <a:ext cx="1800000" cy="1219198"/>
+          </a:xfrm>
+          <a:prstGeom prst="rect">
+            <a:avLst/>
+          </a:prstGeom>
+        </p:spPr>
+        <p:style>
+          <a:lnRef idx="2">
+            <a:schemeClr val="accent1">
+              <a:shade val="50000"/>
+            </a:schemeClr>
+          </a:lnRef>
+          <a:fillRef idx="1">
+            <a:schemeClr val="accent1"/>
+          </a:fillRef>
+          <a:effectRef idx="0">
+            <a:schemeClr val="accent1"/>
+          </a:effectRef>
+          <a:fontRef idx="minor">
+            <a:schemeClr val="lt1"/>
+          </a:fontRef>
+        </p:style>
+        <p:txBody>
+          <a:bodyPr/>
+          <a:p>
+            <a:pPr>
+              <a:defRPr/>
+            </a:pPr>
+            <a:r>
+              <a:rPr lang="sv-SE"/>
+              <a:t>Legacy of Kush</a:t>
+            </a:r>
+            <a:endParaRPr/>
+          </a:p>
+        </p:txBody>
+      </p:sp>
+      <p:sp>
+        <p:nvSpPr>
+          <p:cNvPr id="1422415079" name=""/>
+          <p:cNvSpPr/>
+          <p:nvPr/>
+        </p:nvSpPr>
+        <p:spPr bwMode="auto">
+          <a:xfrm flipH="0" flipV="0">
+            <a:off x="1794078" y="7162797"/>
+            <a:ext cx="1800000" cy="1219198"/>
+          </a:xfrm>
+          <a:prstGeom prst="rect">
+            <a:avLst/>
+          </a:prstGeom>
+        </p:spPr>
+        <p:style>
+          <a:lnRef idx="2">
+            <a:schemeClr val="accent1">
+              <a:shade val="50000"/>
+            </a:schemeClr>
+          </a:lnRef>
+          <a:fillRef idx="1">
+            <a:schemeClr val="accent1"/>
+          </a:fillRef>
+          <a:effectRef idx="0">
+            <a:schemeClr val="accent1"/>
+          </a:effectRef>
+          <a:fontRef idx="minor">
+            <a:schemeClr val="lt1"/>
+          </a:fontRef>
+        </p:style>
+        <p:txBody>
+          <a:bodyPr/>
+          <a:p>
+            <a:pPr>
+              <a:defRPr/>
+            </a:pPr>
+            <a:r>
+              <a:rPr lang="sv-SE"/>
+              <a:t>Reclaim Nobatia</a:t>
+            </a:r>
+            <a:endParaRPr/>
+          </a:p>
+        </p:txBody>
+      </p:sp>
+      <p:sp>
+        <p:nvSpPr>
+          <p:cNvPr id="709806426" name=""/>
+          <p:cNvSpPr/>
+          <p:nvPr/>
+        </p:nvSpPr>
+        <p:spPr bwMode="auto">
+          <a:xfrm flipH="0" flipV="0">
+            <a:off x="3594078" y="7162797"/>
+            <a:ext cx="1800000" cy="1219198"/>
+          </a:xfrm>
+          <a:prstGeom prst="rect">
+            <a:avLst/>
+          </a:prstGeom>
+        </p:spPr>
+        <p:style>
+          <a:lnRef idx="2">
+            <a:schemeClr val="accent1">
+              <a:shade val="50000"/>
+            </a:schemeClr>
+          </a:lnRef>
+          <a:fillRef idx="1">
+            <a:schemeClr val="accent1"/>
+          </a:fillRef>
+          <a:effectRef idx="0">
+            <a:schemeClr val="accent1"/>
+          </a:effectRef>
+          <a:fontRef idx="minor">
+            <a:schemeClr val="lt1"/>
+          </a:fontRef>
+        </p:style>
+        <p:txBody>
+          <a:bodyPr/>
+          <a:p>
+            <a:pPr>
+              <a:defRPr/>
+            </a:pPr>
+            <a:r>
+              <a:rPr lang="sv-SE"/>
+              <a:t>Humble the Nomads</a:t>
+            </a:r>
+            <a:endParaRPr/>
+          </a:p>
+        </p:txBody>
+      </p:sp>
+      <p:sp>
+        <p:nvSpPr>
+          <p:cNvPr id="1718566126" name=""/>
+          <p:cNvSpPr/>
+          <p:nvPr/>
+        </p:nvSpPr>
+        <p:spPr bwMode="auto">
+          <a:xfrm flipH="0" flipV="0">
+            <a:off x="3594078" y="9143997"/>
+            <a:ext cx="1800000" cy="1219198"/>
+          </a:xfrm>
+          <a:prstGeom prst="rect">
+            <a:avLst/>
+          </a:prstGeom>
+        </p:spPr>
+        <p:style>
+          <a:lnRef idx="2">
+            <a:schemeClr val="accent1">
+              <a:shade val="50000"/>
+            </a:schemeClr>
+          </a:lnRef>
+          <a:fillRef idx="1">
+            <a:schemeClr val="accent1"/>
+          </a:fillRef>
+          <a:effectRef idx="0">
+            <a:schemeClr val="accent1"/>
+          </a:effectRef>
+          <a:fontRef idx="minor">
+            <a:schemeClr val="lt1"/>
+          </a:fontRef>
+        </p:style>
+        <p:txBody>
+          <a:bodyPr/>
+          <a:p>
+            <a:pPr>
+              <a:defRPr/>
+            </a:pPr>
+            <a:r>
+              <a:rPr lang="sv-SE"/>
+              <a:t>Gates to Arabia</a:t>
+            </a:r>
+            <a:endParaRPr/>
+          </a:p>
+        </p:txBody>
+      </p:sp>
+      <p:sp>
+        <p:nvSpPr>
+          <p:cNvPr id="1708141382" name=""/>
+          <p:cNvSpPr/>
+          <p:nvPr/>
+        </p:nvSpPr>
+        <p:spPr bwMode="auto">
+          <a:xfrm flipH="0" flipV="0">
+            <a:off x="5394082" y="7162797"/>
+            <a:ext cx="1800000" cy="1219198"/>
+          </a:xfrm>
+          <a:prstGeom prst="rect">
+            <a:avLst/>
+          </a:prstGeom>
+        </p:spPr>
+        <p:style>
+          <a:lnRef idx="2">
+            <a:schemeClr val="accent1">
+              <a:shade val="50000"/>
+            </a:schemeClr>
+          </a:lnRef>
+          <a:fillRef idx="1">
+            <a:schemeClr val="accent1"/>
+          </a:fillRef>
+          <a:effectRef idx="0">
+            <a:schemeClr val="accent1"/>
+          </a:effectRef>
+          <a:fontRef idx="minor">
+            <a:schemeClr val="lt1"/>
+          </a:fontRef>
+        </p:style>
+        <p:txBody>
+          <a:bodyPr/>
+          <a:p>
+            <a:pPr>
+              <a:defRPr/>
+            </a:pPr>
+            <a:r>
+              <a:rPr lang="sv-SE"/>
+              <a:t>The matrilinear tradition</a:t>
+            </a:r>
+            <a:endParaRPr/>
+          </a:p>
+        </p:txBody>
+      </p:sp>
     </p:spTree>
   </p:cSld>
   <p:clrMapOvr>

--- a/documentation/nubia.pptx
+++ b/documentation/nubia.pptx
@@ -4345,18 +4345,24 @@
       </p:grpSpPr>
       <p:sp>
         <p:nvSpPr>
-          <p:cNvPr id="1196179536" name=""/>
+          <p:cNvPr id="1317358309" name=""/>
           <p:cNvSpPr/>
           <p:nvPr/>
         </p:nvSpPr>
         <p:spPr bwMode="auto">
           <a:xfrm flipH="0" flipV="0">
-            <a:off x="1800562" y="1924049"/>
-            <a:ext cx="1800000" cy="1219199"/>
+            <a:off x="560" y="1201350"/>
+            <a:ext cx="8972550" cy="6818698"/>
           </a:xfrm>
           <a:prstGeom prst="rect">
             <a:avLst/>
           </a:prstGeom>
+          <a:solidFill>
+            <a:schemeClr val="accent1">
+              <a:lumMod val="40000"/>
+              <a:lumOff val="60000"/>
+            </a:schemeClr>
+          </a:solidFill>
         </p:spPr>
         <p:style>
           <a:lnRef idx="2">
@@ -4374,34 +4380,27 @@
             <a:schemeClr val="lt1"/>
           </a:fontRef>
         </p:style>
-        <p:txBody>
-          <a:bodyPr/>
-          <a:p>
-            <a:pPr>
-              <a:defRPr/>
-            </a:pPr>
-            <a:r>
-              <a:rPr lang="sv-SE"/>
-              <a:t>Leader of nubian copts</a:t>
-            </a:r>
-            <a:endParaRPr/>
-          </a:p>
-        </p:txBody>
-      </p:sp>
-      <p:sp>
-        <p:nvSpPr>
-          <p:cNvPr id="1573446560" name=""/>
+      </p:sp>
+      <p:sp>
+        <p:nvSpPr>
+          <p:cNvPr id="883680555" name=""/>
           <p:cNvSpPr/>
           <p:nvPr/>
         </p:nvSpPr>
         <p:spPr bwMode="auto">
           <a:xfrm flipH="0" flipV="0">
-            <a:off x="1800562" y="3524249"/>
-            <a:ext cx="1800000" cy="1219199"/>
+            <a:off x="560" y="8020049"/>
+            <a:ext cx="8972550" cy="8839199"/>
           </a:xfrm>
           <a:prstGeom prst="rect">
             <a:avLst/>
           </a:prstGeom>
+          <a:solidFill>
+            <a:schemeClr val="accent4">
+              <a:lumMod val="40000"/>
+              <a:lumOff val="60000"/>
+            </a:schemeClr>
+          </a:solidFill>
         </p:spPr>
         <p:style>
           <a:lnRef idx="2">
@@ -4426,22 +4425,30 @@
               <a:defRPr/>
             </a:pPr>
             <a:r>
-              <a:rPr lang="sv-SE"/>
-              <a:t>Nubian allies</a:t>
-            </a:r>
-            <a:endParaRPr/>
-          </a:p>
-        </p:txBody>
-      </p:sp>
-      <p:sp>
-        <p:nvSpPr>
-          <p:cNvPr id="853451982" name=""/>
+              <a:rPr lang="sv-SE">
+                <a:solidFill>
+                  <a:schemeClr val="tx1"/>
+                </a:solidFill>
+              </a:rPr>
+              <a:t>Nubia</a:t>
+            </a:r>
+            <a:endParaRPr>
+              <a:solidFill>
+                <a:schemeClr val="tx1"/>
+              </a:solidFill>
+            </a:endParaRPr>
+          </a:p>
+        </p:txBody>
+      </p:sp>
+      <p:sp>
+        <p:nvSpPr>
+          <p:cNvPr id="1196179536" name=""/>
           <p:cNvSpPr/>
           <p:nvPr/>
         </p:nvSpPr>
         <p:spPr bwMode="auto">
           <a:xfrm flipH="0" flipV="0">
-            <a:off x="5400558" y="3533774"/>
+            <a:off x="1800562" y="1924049"/>
             <a:ext cx="1800000" cy="1219199"/>
           </a:xfrm>
           <a:prstGeom prst="rect">
@@ -4472,22 +4479,22 @@
             </a:pPr>
             <a:r>
               <a:rPr lang="sv-SE"/>
-              <a:t>Secure stability</a:t>
-            </a:r>
-            <a:endParaRPr/>
-          </a:p>
-        </p:txBody>
-      </p:sp>
-      <p:sp>
-        <p:nvSpPr>
-          <p:cNvPr id="1990800972" name="Rectangle 1990800972"/>
+              <a:t>Leader of nubian copts</a:t>
+            </a:r>
+            <a:endParaRPr/>
+          </a:p>
+        </p:txBody>
+      </p:sp>
+      <p:sp>
+        <p:nvSpPr>
+          <p:cNvPr id="1573446560" name=""/>
           <p:cNvSpPr/>
           <p:nvPr/>
         </p:nvSpPr>
         <p:spPr bwMode="auto">
-          <a:xfrm rot="0" flipH="0" flipV="0">
-            <a:off x="562" y="-19049"/>
-            <a:ext cx="1800000" cy="1220400"/>
+          <a:xfrm flipH="0" flipV="0">
+            <a:off x="1800561" y="4752973"/>
+            <a:ext cx="1800000" cy="1219199"/>
           </a:xfrm>
           <a:prstGeom prst="rect">
             <a:avLst/>
@@ -4517,22 +4524,22 @@
             </a:pPr>
             <a:r>
               <a:rPr lang="sv-SE"/>
-              <a:t>1</a:t>
-            </a:r>
-            <a:endParaRPr/>
-          </a:p>
-        </p:txBody>
-      </p:sp>
-      <p:sp>
-        <p:nvSpPr>
-          <p:cNvPr id="1749516000" name="Rectangle 1990800972"/>
+              <a:t>Nubian allies</a:t>
+            </a:r>
+            <a:endParaRPr/>
+          </a:p>
+        </p:txBody>
+      </p:sp>
+      <p:sp>
+        <p:nvSpPr>
+          <p:cNvPr id="853451982" name=""/>
           <p:cNvSpPr/>
           <p:nvPr/>
         </p:nvSpPr>
         <p:spPr bwMode="auto">
-          <a:xfrm rot="0" flipH="0" flipV="0">
-            <a:off x="1800562" y="-19049"/>
-            <a:ext cx="1800000" cy="1220400"/>
+          <a:xfrm flipH="0" flipV="0">
+            <a:off x="5400558" y="3533774"/>
+            <a:ext cx="1800000" cy="1219199"/>
           </a:xfrm>
           <a:prstGeom prst="rect">
             <a:avLst/>
@@ -4562,21 +4569,21 @@
             </a:pPr>
             <a:r>
               <a:rPr lang="sv-SE"/>
-              <a:t>2</a:t>
-            </a:r>
-            <a:endParaRPr/>
-          </a:p>
-        </p:txBody>
-      </p:sp>
-      <p:sp>
-        <p:nvSpPr>
-          <p:cNvPr id="907789289" name="Rectangle 1990800972"/>
+              <a:t>Secure stability</a:t>
+            </a:r>
+            <a:endParaRPr/>
+          </a:p>
+        </p:txBody>
+      </p:sp>
+      <p:sp>
+        <p:nvSpPr>
+          <p:cNvPr id="1990800972" name="Rectangle 1990800972"/>
           <p:cNvSpPr/>
           <p:nvPr/>
         </p:nvSpPr>
         <p:spPr bwMode="auto">
           <a:xfrm rot="0" flipH="0" flipV="0">
-            <a:off x="3600562" y="-19049"/>
+            <a:off x="562" y="-19049"/>
             <a:ext cx="1800000" cy="1220400"/>
           </a:xfrm>
           <a:prstGeom prst="rect">
@@ -4607,21 +4614,21 @@
             </a:pPr>
             <a:r>
               <a:rPr lang="sv-SE"/>
-              <a:t>3</a:t>
-            </a:r>
-            <a:endParaRPr/>
-          </a:p>
-        </p:txBody>
-      </p:sp>
-      <p:sp>
-        <p:nvSpPr>
-          <p:cNvPr id="292407712" name="Rectangle 1990800972"/>
+              <a:t>1</a:t>
+            </a:r>
+            <a:endParaRPr/>
+          </a:p>
+        </p:txBody>
+      </p:sp>
+      <p:sp>
+        <p:nvSpPr>
+          <p:cNvPr id="1749516000" name="Rectangle 1990800972"/>
           <p:cNvSpPr/>
           <p:nvPr/>
         </p:nvSpPr>
         <p:spPr bwMode="auto">
           <a:xfrm rot="0" flipH="0" flipV="0">
-            <a:off x="5400562" y="-19049"/>
+            <a:off x="1800562" y="-19049"/>
             <a:ext cx="1800000" cy="1220400"/>
           </a:xfrm>
           <a:prstGeom prst="rect">
@@ -4652,21 +4659,21 @@
             </a:pPr>
             <a:r>
               <a:rPr lang="sv-SE"/>
-              <a:t>4</a:t>
-            </a:r>
-            <a:endParaRPr/>
-          </a:p>
-        </p:txBody>
-      </p:sp>
-      <p:sp>
-        <p:nvSpPr>
-          <p:cNvPr id="1216156514" name="Rectangle 1990800972"/>
+              <a:t>2</a:t>
+            </a:r>
+            <a:endParaRPr/>
+          </a:p>
+        </p:txBody>
+      </p:sp>
+      <p:sp>
+        <p:nvSpPr>
+          <p:cNvPr id="907789289" name="Rectangle 1990800972"/>
           <p:cNvSpPr/>
           <p:nvPr/>
         </p:nvSpPr>
         <p:spPr bwMode="auto">
           <a:xfrm rot="0" flipH="0" flipV="0">
-            <a:off x="7200562" y="-19049"/>
+            <a:off x="3600562" y="-19049"/>
             <a:ext cx="1800000" cy="1220400"/>
           </a:xfrm>
           <a:prstGeom prst="rect">
@@ -4697,22 +4704,22 @@
             </a:pPr>
             <a:r>
               <a:rPr lang="sv-SE"/>
-              <a:t>5</a:t>
-            </a:r>
-            <a:endParaRPr/>
-          </a:p>
-        </p:txBody>
-      </p:sp>
-      <p:sp>
-        <p:nvSpPr>
-          <p:cNvPr id="441460547" name=""/>
+              <a:t>3</a:t>
+            </a:r>
+            <a:endParaRPr/>
+          </a:p>
+        </p:txBody>
+      </p:sp>
+      <p:sp>
+        <p:nvSpPr>
+          <p:cNvPr id="292407712" name="Rectangle 1990800972"/>
           <p:cNvSpPr/>
           <p:nvPr/>
         </p:nvSpPr>
         <p:spPr bwMode="auto">
-          <a:xfrm flipH="0" flipV="0">
-            <a:off x="3603805" y="3524248"/>
-            <a:ext cx="1800000" cy="1219199"/>
+          <a:xfrm rot="0" flipH="0" flipV="0">
+            <a:off x="5400562" y="-19049"/>
+            <a:ext cx="1800000" cy="1220400"/>
           </a:xfrm>
           <a:prstGeom prst="rect">
             <a:avLst/>
@@ -4742,22 +4749,22 @@
             </a:pPr>
             <a:r>
               <a:rPr lang="sv-SE"/>
-              <a:t>Reconquer all cores</a:t>
-            </a:r>
-            <a:endParaRPr/>
-          </a:p>
-        </p:txBody>
-      </p:sp>
-      <p:sp>
-        <p:nvSpPr>
-          <p:cNvPr id="1157082706" name=""/>
+              <a:t>4</a:t>
+            </a:r>
+            <a:endParaRPr/>
+          </a:p>
+        </p:txBody>
+      </p:sp>
+      <p:sp>
+        <p:nvSpPr>
+          <p:cNvPr id="1216156514" name="Rectangle 1990800972"/>
           <p:cNvSpPr/>
           <p:nvPr/>
         </p:nvSpPr>
         <p:spPr bwMode="auto">
-          <a:xfrm flipH="0" flipV="0">
-            <a:off x="5400558" y="5419724"/>
-            <a:ext cx="1800000" cy="1219199"/>
+          <a:xfrm rot="0" flipH="0" flipV="0">
+            <a:off x="7200562" y="-19049"/>
+            <a:ext cx="1800000" cy="1220400"/>
           </a:xfrm>
           <a:prstGeom prst="rect">
             <a:avLst/>
@@ -4787,6 +4794,96 @@
             </a:pPr>
             <a:r>
               <a:rPr lang="sv-SE"/>
+              <a:t>5</a:t>
+            </a:r>
+            <a:endParaRPr/>
+          </a:p>
+        </p:txBody>
+      </p:sp>
+      <p:sp>
+        <p:nvSpPr>
+          <p:cNvPr id="441460547" name=""/>
+          <p:cNvSpPr/>
+          <p:nvPr/>
+        </p:nvSpPr>
+        <p:spPr bwMode="auto">
+          <a:xfrm flipH="0" flipV="0">
+            <a:off x="3603805" y="3524248"/>
+            <a:ext cx="1800000" cy="1219199"/>
+          </a:xfrm>
+          <a:prstGeom prst="rect">
+            <a:avLst/>
+          </a:prstGeom>
+        </p:spPr>
+        <p:style>
+          <a:lnRef idx="2">
+            <a:schemeClr val="accent1">
+              <a:shade val="50000"/>
+            </a:schemeClr>
+          </a:lnRef>
+          <a:fillRef idx="1">
+            <a:schemeClr val="accent1"/>
+          </a:fillRef>
+          <a:effectRef idx="0">
+            <a:schemeClr val="accent1"/>
+          </a:effectRef>
+          <a:fontRef idx="minor">
+            <a:schemeClr val="lt1"/>
+          </a:fontRef>
+        </p:style>
+        <p:txBody>
+          <a:bodyPr/>
+          <a:p>
+            <a:pPr>
+              <a:defRPr/>
+            </a:pPr>
+            <a:r>
+              <a:rPr lang="sv-SE"/>
+              <a:t>Reconquer all cores</a:t>
+            </a:r>
+            <a:endParaRPr/>
+          </a:p>
+        </p:txBody>
+      </p:sp>
+      <p:sp>
+        <p:nvSpPr>
+          <p:cNvPr id="1157082706" name=""/>
+          <p:cNvSpPr/>
+          <p:nvPr/>
+        </p:nvSpPr>
+        <p:spPr bwMode="auto">
+          <a:xfrm flipH="0" flipV="0">
+            <a:off x="5400558" y="5419724"/>
+            <a:ext cx="1800000" cy="1219199"/>
+          </a:xfrm>
+          <a:prstGeom prst="rect">
+            <a:avLst/>
+          </a:prstGeom>
+        </p:spPr>
+        <p:style>
+          <a:lnRef idx="2">
+            <a:schemeClr val="accent1">
+              <a:shade val="50000"/>
+            </a:schemeClr>
+          </a:lnRef>
+          <a:fillRef idx="1">
+            <a:schemeClr val="accent1"/>
+          </a:fillRef>
+          <a:effectRef idx="0">
+            <a:schemeClr val="accent1"/>
+          </a:effectRef>
+          <a:fontRef idx="minor">
+            <a:schemeClr val="lt1"/>
+          </a:fontRef>
+        </p:style>
+        <p:txBody>
+          <a:bodyPr/>
+          <a:p>
+            <a:pPr>
+              <a:defRPr/>
+            </a:pPr>
+            <a:r>
+              <a:rPr lang="sv-SE"/>
               <a:t>Nubian army</a:t>
             </a:r>
             <a:endParaRPr/>
@@ -4801,7 +4898,7 @@
         </p:nvSpPr>
         <p:spPr bwMode="auto">
           <a:xfrm flipH="0" flipV="0">
-            <a:off x="3594078" y="5419724"/>
+            <a:off x="3594078" y="6648447"/>
             <a:ext cx="1800000" cy="1219199"/>
           </a:xfrm>
           <a:prstGeom prst="rect">
@@ -4927,7 +5024,7 @@
           <p:nvPr/>
         </p:nvCxnSpPr>
         <p:spPr bwMode="auto">
-          <a:xfrm rot="5399978" flipH="0" flipV="0">
+          <a:xfrm rot="5399977" flipH="0" flipV="0">
             <a:off x="5967182" y="5086348"/>
             <a:ext cx="666750" cy="0"/>
           </a:xfrm>
@@ -4956,14 +5053,15 @@
         <p:nvCxnSpPr>
           <p:cNvPr id="0" name=""/>
           <p:cNvCxnSpPr>
+            <a:stCxn id="1573446560" idx="2"/>
             <a:endCxn id="243166541" idx="0"/>
           </p:cNvCxnSpPr>
           <p:nvPr/>
         </p:nvCxnSpPr>
         <p:spPr bwMode="auto">
-          <a:xfrm rot="5399943" flipH="0" flipV="1">
-            <a:off x="2273347" y="3198993"/>
-            <a:ext cx="2647948" cy="1793511"/>
+          <a:xfrm rot="5399977" flipH="0" flipV="1">
+            <a:off x="3259181" y="5413552"/>
+            <a:ext cx="676276" cy="1793516"/>
           </a:xfrm>
           <a:prstGeom prst="line">
             <a:avLst/>
@@ -4996,9 +5094,9 @@
           <p:nvPr/>
         </p:nvCxnSpPr>
         <p:spPr bwMode="auto">
-          <a:xfrm rot="5399978" flipH="0" flipV="0">
-            <a:off x="4160803" y="5081586"/>
-            <a:ext cx="676276" cy="0"/>
+          <a:xfrm rot="5399977" flipH="0" flipV="0">
+            <a:off x="3546441" y="5695948"/>
+            <a:ext cx="1905000" cy="0"/>
           </a:xfrm>
           <a:prstGeom prst="line">
             <a:avLst/>
@@ -5029,7 +5127,7 @@
         </p:nvSpPr>
         <p:spPr bwMode="auto">
           <a:xfrm flipH="0" flipV="0">
-            <a:off x="7200562" y="4724397"/>
+            <a:off x="7200561" y="5410804"/>
             <a:ext cx="1800000" cy="1219199"/>
           </a:xfrm>
           <a:prstGeom prst="rect">
@@ -5122,8 +5220,8 @@
         </p:nvCxnSpPr>
         <p:spPr bwMode="auto">
           <a:xfrm rot="16199969" flipH="0" flipV="0">
-            <a:off x="7300457" y="3924293"/>
-            <a:ext cx="1600209" cy="0"/>
+            <a:off x="6957253" y="4267495"/>
+            <a:ext cx="2286617" cy="0"/>
           </a:xfrm>
           <a:prstGeom prst="line">
             <a:avLst/>
@@ -5154,7 +5252,7 @@
         </p:nvSpPr>
         <p:spPr bwMode="auto">
           <a:xfrm flipH="0" flipV="0">
-            <a:off x="1794078" y="9143997"/>
+            <a:off x="1794078" y="10372722"/>
             <a:ext cx="1800000" cy="1219198"/>
           </a:xfrm>
           <a:prstGeom prst="rect">
@@ -5199,7 +5297,7 @@
         </p:nvSpPr>
         <p:spPr bwMode="auto">
           <a:xfrm flipH="0" flipV="0">
-            <a:off x="1794078" y="7162797"/>
+            <a:off x="1794078" y="8391522"/>
             <a:ext cx="1800000" cy="1219198"/>
           </a:xfrm>
           <a:prstGeom prst="rect">
@@ -5244,7 +5342,7 @@
         </p:nvSpPr>
         <p:spPr bwMode="auto">
           <a:xfrm flipH="0" flipV="0">
-            <a:off x="3594078" y="7162797"/>
+            <a:off x="3594078" y="8391522"/>
             <a:ext cx="1800000" cy="1219198"/>
           </a:xfrm>
           <a:prstGeom prst="rect">
@@ -5289,7 +5387,7 @@
         </p:nvSpPr>
         <p:spPr bwMode="auto">
           <a:xfrm flipH="0" flipV="0">
-            <a:off x="3594078" y="9143997"/>
+            <a:off x="3594078" y="10372722"/>
             <a:ext cx="1800000" cy="1219198"/>
           </a:xfrm>
           <a:prstGeom prst="rect">
@@ -5334,7 +5432,7 @@
         </p:nvSpPr>
         <p:spPr bwMode="auto">
           <a:xfrm flipH="0" flipV="0">
-            <a:off x="5394082" y="7162797"/>
+            <a:off x="5394082" y="8391522"/>
             <a:ext cx="1800000" cy="1219198"/>
           </a:xfrm>
           <a:prstGeom prst="rect">
@@ -5371,6 +5469,41 @@
           </a:p>
         </p:txBody>
       </p:sp>
+      <p:cxnSp>
+        <p:nvCxnSpPr>
+          <p:cNvPr id="0" name=""/>
+          <p:cNvCxnSpPr>
+            <a:stCxn id="1196179536" idx="2"/>
+            <a:endCxn id="1573446560" idx="0"/>
+          </p:cNvCxnSpPr>
+          <p:nvPr/>
+        </p:nvCxnSpPr>
+        <p:spPr bwMode="auto">
+          <a:xfrm rot="5399977" flipH="0" flipV="0">
+            <a:off x="1895699" y="3948110"/>
+            <a:ext cx="1609724" cy="0"/>
+          </a:xfrm>
+          <a:prstGeom prst="line">
+            <a:avLst/>
+          </a:prstGeom>
+        </p:spPr>
+        <p:style>
+          <a:lnRef idx="1">
+            <a:schemeClr val="accent1">
+              <a:shade val="50000"/>
+            </a:schemeClr>
+          </a:lnRef>
+          <a:fillRef idx="0">
+            <a:schemeClr val="accent1"/>
+          </a:fillRef>
+          <a:effectRef idx="0">
+            <a:schemeClr val="accent1"/>
+          </a:effectRef>
+          <a:fontRef idx="minor">
+            <a:schemeClr val="tx1"/>
+          </a:fontRef>
+        </p:style>
+      </p:cxnSp>
     </p:spTree>
   </p:cSld>
   <p:clrMapOvr>
